--- a/자료구조 프로젝트(POS system)/Pos 시스템.pptx
+++ b/자료구조 프로젝트(POS system)/Pos 시스템.pptx
@@ -217,7 +217,7 @@
           <a:p>
             <a:fld id="{33DC9F1A-E8E0-4E14-8EB8-F77A9B2117B0}" type="datetimeFigureOut">
               <a:rPr lang="ko-KR" altLang="en-US" smtClean="0"/>
-              <a:t>2016-11-07</a:t>
+              <a:t>2016-11-08</a:t>
             </a:fld>
             <a:endParaRPr lang="ko-KR" altLang="en-US"/>
           </a:p>
@@ -8339,8 +8339,124 @@
                 <a:solidFill>
                   <a:schemeClr val="tx1"/>
                 </a:solidFill>
-                <a:latin typeface="Adobe 고딕 Std B" panose="020B0800000000000000" pitchFamily="34" charset="-127"/>
-                <a:ea typeface="Adobe 고딕 Std B" panose="020B0800000000000000" pitchFamily="34" charset="-127"/>
+              </a:rPr>
+              <a:t>while (p-&gt;</a:t>
+            </a:r>
+            <a:r>
+              <a:rPr lang="en-US" altLang="ko-KR" dirty="0" err="1">
+                <a:solidFill>
+                  <a:schemeClr val="tx1"/>
+                </a:solidFill>
+              </a:rPr>
+              <a:t>newpro</a:t>
+            </a:r>
+            <a:r>
+              <a:rPr lang="en-US" altLang="ko-KR" dirty="0">
+                <a:solidFill>
+                  <a:schemeClr val="tx1"/>
+                </a:solidFill>
+              </a:rPr>
+              <a:t> != tail) {</a:t>
+            </a:r>
+          </a:p>
+          <a:p>
+            <a:r>
+              <a:rPr lang="en-US" altLang="ko-KR" dirty="0">
+                <a:solidFill>
+                  <a:schemeClr val="tx1"/>
+                </a:solidFill>
+              </a:rPr>
+              <a:t>p = p-&gt;</a:t>
+            </a:r>
+            <a:r>
+              <a:rPr lang="en-US" altLang="ko-KR" dirty="0" err="1">
+                <a:solidFill>
+                  <a:schemeClr val="tx1"/>
+                </a:solidFill>
+              </a:rPr>
+              <a:t>newpro</a:t>
+            </a:r>
+            <a:r>
+              <a:rPr lang="en-US" altLang="ko-KR" dirty="0">
+                <a:solidFill>
+                  <a:schemeClr val="tx1"/>
+                </a:solidFill>
+              </a:rPr>
+              <a:t>;</a:t>
+            </a:r>
+          </a:p>
+          <a:p>
+            <a:r>
+              <a:rPr lang="en-US" altLang="ko-KR" dirty="0">
+                <a:solidFill>
+                  <a:schemeClr val="tx1"/>
+                </a:solidFill>
+              </a:rPr>
+              <a:t>if (p-&gt;barcode == barcode) {</a:t>
+            </a:r>
+          </a:p>
+          <a:p>
+            <a:r>
+              <a:rPr lang="en-US" altLang="ko-KR" dirty="0">
+                <a:solidFill>
+                  <a:schemeClr val="tx1"/>
+                </a:solidFill>
+              </a:rPr>
+              <a:t>p-&gt;</a:t>
+            </a:r>
+            <a:r>
+              <a:rPr lang="en-US" altLang="ko-KR" dirty="0" err="1">
+                <a:solidFill>
+                  <a:schemeClr val="tx1"/>
+                </a:solidFill>
+              </a:rPr>
+              <a:t>num</a:t>
+            </a:r>
+            <a:r>
+              <a:rPr lang="en-US" altLang="ko-KR" dirty="0">
+                <a:solidFill>
+                  <a:schemeClr val="tx1"/>
+                </a:solidFill>
+              </a:rPr>
+              <a:t>++;</a:t>
+            </a:r>
+          </a:p>
+          <a:p>
+            <a:r>
+              <a:rPr lang="en-US" altLang="ko-KR" dirty="0">
+                <a:solidFill>
+                  <a:schemeClr val="tx1"/>
+                </a:solidFill>
+              </a:rPr>
+              <a:t>break;</a:t>
+            </a:r>
+          </a:p>
+          <a:p>
+            <a:r>
+              <a:rPr lang="en-US" altLang="ko-KR" dirty="0">
+                <a:solidFill>
+                  <a:schemeClr val="tx1"/>
+                </a:solidFill>
+              </a:rPr>
+              <a:t>}</a:t>
+            </a:r>
+          </a:p>
+          <a:p>
+            <a:r>
+              <a:rPr lang="en-US" altLang="ko-KR" dirty="0">
+                <a:solidFill>
+                  <a:schemeClr val="tx1"/>
+                </a:solidFill>
+              </a:rPr>
+              <a:t>}</a:t>
+            </a:r>
+          </a:p>
+          <a:p>
+            <a:r>
+              <a:rPr lang="en-US" altLang="ko-KR" dirty="0">
+                <a:solidFill>
+                  <a:schemeClr val="tx1"/>
+                </a:solidFill>
               </a:rPr>
               <a:t>for (</a:t>
             </a:r>
@@ -8349,8 +8465,6 @@
                 <a:solidFill>
                   <a:schemeClr val="tx1"/>
                 </a:solidFill>
-                <a:latin typeface="Adobe 고딕 Std B" panose="020B0800000000000000" pitchFamily="34" charset="-127"/>
-                <a:ea typeface="Adobe 고딕 Std B" panose="020B0800000000000000" pitchFamily="34" charset="-127"/>
               </a:rPr>
               <a:t>int</a:t>
             </a:r>
@@ -8359,8 +8473,6 @@
                 <a:solidFill>
                   <a:schemeClr val="tx1"/>
                 </a:solidFill>
-                <a:latin typeface="Adobe 고딕 Std B" panose="020B0800000000000000" pitchFamily="34" charset="-127"/>
-                <a:ea typeface="Adobe 고딕 Std B" panose="020B0800000000000000" pitchFamily="34" charset="-127"/>
               </a:rPr>
               <a:t> </a:t>
             </a:r>
@@ -8369,8 +8481,6 @@
                 <a:solidFill>
                   <a:schemeClr val="tx1"/>
                 </a:solidFill>
-                <a:latin typeface="Adobe 고딕 Std B" panose="020B0800000000000000" pitchFamily="34" charset="-127"/>
-                <a:ea typeface="Adobe 고딕 Std B" panose="020B0800000000000000" pitchFamily="34" charset="-127"/>
               </a:rPr>
               <a:t>i</a:t>
             </a:r>
@@ -8379,8 +8489,6 @@
                 <a:solidFill>
                   <a:schemeClr val="tx1"/>
                 </a:solidFill>
-                <a:latin typeface="Adobe 고딕 Std B" panose="020B0800000000000000" pitchFamily="34" charset="-127"/>
-                <a:ea typeface="Adobe 고딕 Std B" panose="020B0800000000000000" pitchFamily="34" charset="-127"/>
               </a:rPr>
               <a:t> = 0; </a:t>
             </a:r>
@@ -8389,8 +8497,6 @@
                 <a:solidFill>
                   <a:schemeClr val="tx1"/>
                 </a:solidFill>
-                <a:latin typeface="Adobe 고딕 Std B" panose="020B0800000000000000" pitchFamily="34" charset="-127"/>
-                <a:ea typeface="Adobe 고딕 Std B" panose="020B0800000000000000" pitchFamily="34" charset="-127"/>
               </a:rPr>
               <a:t>i</a:t>
             </a:r>
@@ -8399,8 +8505,6 @@
                 <a:solidFill>
                   <a:schemeClr val="tx1"/>
                 </a:solidFill>
-                <a:latin typeface="Adobe 고딕 Std B" panose="020B0800000000000000" pitchFamily="34" charset="-127"/>
-                <a:ea typeface="Adobe 고딕 Std B" panose="020B0800000000000000" pitchFamily="34" charset="-127"/>
               </a:rPr>
               <a:t> &lt; (</a:t>
             </a:r>
@@ -8409,8 +8513,6 @@
                 <a:solidFill>
                   <a:schemeClr val="tx1"/>
                 </a:solidFill>
-                <a:latin typeface="Adobe 고딕 Std B" panose="020B0800000000000000" pitchFamily="34" charset="-127"/>
-                <a:ea typeface="Adobe 고딕 Std B" panose="020B0800000000000000" pitchFamily="34" charset="-127"/>
               </a:rPr>
               <a:t>sizeof</a:t>
             </a:r>
@@ -8419,8 +8521,6 @@
                 <a:solidFill>
                   <a:schemeClr val="tx1"/>
                 </a:solidFill>
-                <a:latin typeface="Adobe 고딕 Std B" panose="020B0800000000000000" pitchFamily="34" charset="-127"/>
-                <a:ea typeface="Adobe 고딕 Std B" panose="020B0800000000000000" pitchFamily="34" charset="-127"/>
               </a:rPr>
               <a:t>(list) / </a:t>
             </a:r>
@@ -8429,8 +8529,6 @@
                 <a:solidFill>
                   <a:schemeClr val="tx1"/>
                 </a:solidFill>
-                <a:latin typeface="Adobe 고딕 Std B" panose="020B0800000000000000" pitchFamily="34" charset="-127"/>
-                <a:ea typeface="Adobe 고딕 Std B" panose="020B0800000000000000" pitchFamily="34" charset="-127"/>
               </a:rPr>
               <a:t>sizeof</a:t>
             </a:r>
@@ -8439,8 +8537,6 @@
                 <a:solidFill>
                   <a:schemeClr val="tx1"/>
                 </a:solidFill>
-                <a:latin typeface="Adobe 고딕 Std B" panose="020B0800000000000000" pitchFamily="34" charset="-127"/>
-                <a:ea typeface="Adobe 고딕 Std B" panose="020B0800000000000000" pitchFamily="34" charset="-127"/>
               </a:rPr>
               <a:t>(product)); </a:t>
             </a:r>
@@ -8449,8 +8545,6 @@
                 <a:solidFill>
                   <a:schemeClr val="tx1"/>
                 </a:solidFill>
-                <a:latin typeface="Adobe 고딕 Std B" panose="020B0800000000000000" pitchFamily="34" charset="-127"/>
-                <a:ea typeface="Adobe 고딕 Std B" panose="020B0800000000000000" pitchFamily="34" charset="-127"/>
               </a:rPr>
               <a:t>i</a:t>
             </a:r>
@@ -8459,8 +8553,6 @@
                 <a:solidFill>
                   <a:schemeClr val="tx1"/>
                 </a:solidFill>
-                <a:latin typeface="Adobe 고딕 Std B" panose="020B0800000000000000" pitchFamily="34" charset="-127"/>
-                <a:ea typeface="Adobe 고딕 Std B" panose="020B0800000000000000" pitchFamily="34" charset="-127"/>
               </a:rPr>
               <a:t>++) {</a:t>
             </a:r>
@@ -8471,8 +8563,6 @@
                 <a:solidFill>
                   <a:schemeClr val="tx1"/>
                 </a:solidFill>
-                <a:latin typeface="Adobe 고딕 Std B" panose="020B0800000000000000" pitchFamily="34" charset="-127"/>
-                <a:ea typeface="Adobe 고딕 Std B" panose="020B0800000000000000" pitchFamily="34" charset="-127"/>
               </a:rPr>
               <a:t>if (list[</a:t>
             </a:r>
@@ -8481,8 +8571,6 @@
                 <a:solidFill>
                   <a:schemeClr val="tx1"/>
                 </a:solidFill>
-                <a:latin typeface="Adobe 고딕 Std B" panose="020B0800000000000000" pitchFamily="34" charset="-127"/>
-                <a:ea typeface="Adobe 고딕 Std B" panose="020B0800000000000000" pitchFamily="34" charset="-127"/>
               </a:rPr>
               <a:t>i</a:t>
             </a:r>
@@ -8491,20 +8579,32 @@
                 <a:solidFill>
                   <a:schemeClr val="tx1"/>
                 </a:solidFill>
-                <a:latin typeface="Adobe 고딕 Std B" panose="020B0800000000000000" pitchFamily="34" charset="-127"/>
-                <a:ea typeface="Adobe 고딕 Std B" panose="020B0800000000000000" pitchFamily="34" charset="-127"/>
-              </a:rPr>
-              <a:t>].barcode == barcode) {</a:t>
-            </a:r>
-          </a:p>
-          <a:p>
+              </a:rPr>
+              <a:t>].barcode == barcode &amp;&amp; list[</a:t>
+            </a:r>
             <a:r>
               <a:rPr lang="en-US" altLang="ko-KR" dirty="0" err="1">
                 <a:solidFill>
                   <a:schemeClr val="tx1"/>
                 </a:solidFill>
-                <a:latin typeface="Adobe 고딕 Std B" panose="020B0800000000000000" pitchFamily="34" charset="-127"/>
-                <a:ea typeface="Adobe 고딕 Std B" panose="020B0800000000000000" pitchFamily="34" charset="-127"/>
+              </a:rPr>
+              <a:t>i</a:t>
+            </a:r>
+            <a:r>
+              <a:rPr lang="en-US" altLang="ko-KR" dirty="0">
+                <a:solidFill>
+                  <a:schemeClr val="tx1"/>
+                </a:solidFill>
+              </a:rPr>
+              <a:t>].barcode != p-&gt;barcode) {</a:t>
+            </a:r>
+          </a:p>
+          <a:p>
+            <a:r>
+              <a:rPr lang="en-US" altLang="ko-KR" dirty="0" err="1">
+                <a:solidFill>
+                  <a:schemeClr val="tx1"/>
+                </a:solidFill>
               </a:rPr>
               <a:t>strcpy</a:t>
             </a:r>
@@ -8513,8 +8613,6 @@
                 <a:solidFill>
                   <a:schemeClr val="tx1"/>
                 </a:solidFill>
-                <a:latin typeface="Adobe 고딕 Std B" panose="020B0800000000000000" pitchFamily="34" charset="-127"/>
-                <a:ea typeface="Adobe 고딕 Std B" panose="020B0800000000000000" pitchFamily="34" charset="-127"/>
               </a:rPr>
               <a:t>(</a:t>
             </a:r>
@@ -8523,8 +8621,6 @@
                 <a:solidFill>
                   <a:schemeClr val="tx1"/>
                 </a:solidFill>
-                <a:latin typeface="Adobe 고딕 Std B" panose="020B0800000000000000" pitchFamily="34" charset="-127"/>
-                <a:ea typeface="Adobe 고딕 Std B" panose="020B0800000000000000" pitchFamily="34" charset="-127"/>
               </a:rPr>
               <a:t>Newnode</a:t>
             </a:r>
@@ -8533,8 +8629,6 @@
                 <a:solidFill>
                   <a:schemeClr val="tx1"/>
                 </a:solidFill>
-                <a:latin typeface="Adobe 고딕 Std B" panose="020B0800000000000000" pitchFamily="34" charset="-127"/>
-                <a:ea typeface="Adobe 고딕 Std B" panose="020B0800000000000000" pitchFamily="34" charset="-127"/>
               </a:rPr>
               <a:t>-&gt;name, list[</a:t>
             </a:r>
@@ -8543,8 +8637,6 @@
                 <a:solidFill>
                   <a:schemeClr val="tx1"/>
                 </a:solidFill>
-                <a:latin typeface="Adobe 고딕 Std B" panose="020B0800000000000000" pitchFamily="34" charset="-127"/>
-                <a:ea typeface="Adobe 고딕 Std B" panose="020B0800000000000000" pitchFamily="34" charset="-127"/>
               </a:rPr>
               <a:t>i</a:t>
             </a:r>
@@ -8553,8 +8645,6 @@
                 <a:solidFill>
                   <a:schemeClr val="tx1"/>
                 </a:solidFill>
-                <a:latin typeface="Adobe 고딕 Std B" panose="020B0800000000000000" pitchFamily="34" charset="-127"/>
-                <a:ea typeface="Adobe 고딕 Std B" panose="020B0800000000000000" pitchFamily="34" charset="-127"/>
               </a:rPr>
               <a:t>].name);</a:t>
             </a:r>
@@ -8565,8 +8655,6 @@
                 <a:solidFill>
                   <a:schemeClr val="tx1"/>
                 </a:solidFill>
-                <a:latin typeface="Adobe 고딕 Std B" panose="020B0800000000000000" pitchFamily="34" charset="-127"/>
-                <a:ea typeface="Adobe 고딕 Std B" panose="020B0800000000000000" pitchFamily="34" charset="-127"/>
               </a:rPr>
               <a:t>Newnode</a:t>
             </a:r>
@@ -8575,8 +8663,6 @@
                 <a:solidFill>
                   <a:schemeClr val="tx1"/>
                 </a:solidFill>
-                <a:latin typeface="Adobe 고딕 Std B" panose="020B0800000000000000" pitchFamily="34" charset="-127"/>
-                <a:ea typeface="Adobe 고딕 Std B" panose="020B0800000000000000" pitchFamily="34" charset="-127"/>
               </a:rPr>
               <a:t>-&gt;price = list[</a:t>
             </a:r>
@@ -8585,8 +8671,6 @@
                 <a:solidFill>
                   <a:schemeClr val="tx1"/>
                 </a:solidFill>
-                <a:latin typeface="Adobe 고딕 Std B" panose="020B0800000000000000" pitchFamily="34" charset="-127"/>
-                <a:ea typeface="Adobe 고딕 Std B" panose="020B0800000000000000" pitchFamily="34" charset="-127"/>
               </a:rPr>
               <a:t>i</a:t>
             </a:r>
@@ -8595,8 +8679,6 @@
                 <a:solidFill>
                   <a:schemeClr val="tx1"/>
                 </a:solidFill>
-                <a:latin typeface="Adobe 고딕 Std B" panose="020B0800000000000000" pitchFamily="34" charset="-127"/>
-                <a:ea typeface="Adobe 고딕 Std B" panose="020B0800000000000000" pitchFamily="34" charset="-127"/>
               </a:rPr>
               <a:t>].price;</a:t>
             </a:r>
@@ -8607,8 +8689,6 @@
                 <a:solidFill>
                   <a:schemeClr val="tx1"/>
                 </a:solidFill>
-                <a:latin typeface="Adobe 고딕 Std B" panose="020B0800000000000000" pitchFamily="34" charset="-127"/>
-                <a:ea typeface="Adobe 고딕 Std B" panose="020B0800000000000000" pitchFamily="34" charset="-127"/>
               </a:rPr>
               <a:t>Newnode</a:t>
             </a:r>
@@ -8617,8 +8697,6 @@
                 <a:solidFill>
                   <a:schemeClr val="tx1"/>
                 </a:solidFill>
-                <a:latin typeface="Adobe 고딕 Std B" panose="020B0800000000000000" pitchFamily="34" charset="-127"/>
-                <a:ea typeface="Adobe 고딕 Std B" panose="020B0800000000000000" pitchFamily="34" charset="-127"/>
               </a:rPr>
               <a:t>-&gt;barcode = list[</a:t>
             </a:r>
@@ -8627,8 +8705,6 @@
                 <a:solidFill>
                   <a:schemeClr val="tx1"/>
                 </a:solidFill>
-                <a:latin typeface="Adobe 고딕 Std B" panose="020B0800000000000000" pitchFamily="34" charset="-127"/>
-                <a:ea typeface="Adobe 고딕 Std B" panose="020B0800000000000000" pitchFamily="34" charset="-127"/>
               </a:rPr>
               <a:t>i</a:t>
             </a:r>
@@ -8637,8 +8713,6 @@
                 <a:solidFill>
                   <a:schemeClr val="tx1"/>
                 </a:solidFill>
-                <a:latin typeface="Adobe 고딕 Std B" panose="020B0800000000000000" pitchFamily="34" charset="-127"/>
-                <a:ea typeface="Adobe 고딕 Std B" panose="020B0800000000000000" pitchFamily="34" charset="-127"/>
               </a:rPr>
               <a:t>].barcode;</a:t>
             </a:r>
@@ -8649,8 +8723,6 @@
                 <a:solidFill>
                   <a:schemeClr val="tx1"/>
                 </a:solidFill>
-                <a:latin typeface="Adobe 고딕 Std B" panose="020B0800000000000000" pitchFamily="34" charset="-127"/>
-                <a:ea typeface="Adobe 고딕 Std B" panose="020B0800000000000000" pitchFamily="34" charset="-127"/>
               </a:rPr>
               <a:t>Newnode</a:t>
             </a:r>
@@ -8659,8 +8731,6 @@
                 <a:solidFill>
                   <a:schemeClr val="tx1"/>
                 </a:solidFill>
-                <a:latin typeface="Adobe 고딕 Std B" panose="020B0800000000000000" pitchFamily="34" charset="-127"/>
-                <a:ea typeface="Adobe 고딕 Std B" panose="020B0800000000000000" pitchFamily="34" charset="-127"/>
               </a:rPr>
               <a:t>-&gt;</a:t>
             </a:r>
@@ -8669,8 +8739,40 @@
                 <a:solidFill>
                   <a:schemeClr val="tx1"/>
                 </a:solidFill>
-                <a:latin typeface="Adobe 고딕 Std B" panose="020B0800000000000000" pitchFamily="34" charset="-127"/>
-                <a:ea typeface="Adobe 고딕 Std B" panose="020B0800000000000000" pitchFamily="34" charset="-127"/>
+              </a:rPr>
+              <a:t>newpro</a:t>
+            </a:r>
+            <a:r>
+              <a:rPr lang="en-US" altLang="ko-KR" dirty="0">
+                <a:solidFill>
+                  <a:schemeClr val="tx1"/>
+                </a:solidFill>
+              </a:rPr>
+              <a:t> = tail;</a:t>
+            </a:r>
+          </a:p>
+          <a:p>
+            <a:r>
+              <a:rPr lang="en-US" altLang="ko-KR" dirty="0" err="1">
+                <a:solidFill>
+                  <a:schemeClr val="tx1"/>
+                </a:solidFill>
+              </a:rPr>
+              <a:t>Newnode</a:t>
+            </a:r>
+            <a:r>
+              <a:rPr lang="en-US" altLang="ko-KR" dirty="0">
+                <a:solidFill>
+                  <a:schemeClr val="tx1"/>
+                </a:solidFill>
+              </a:rPr>
+              <a:t>-&gt;</a:t>
+            </a:r>
+            <a:r>
+              <a:rPr lang="en-US" altLang="ko-KR" dirty="0" err="1">
+                <a:solidFill>
+                  <a:schemeClr val="tx1"/>
+                </a:solidFill>
               </a:rPr>
               <a:t>num</a:t>
             </a:r>
@@ -8679,20 +8781,40 @@
                 <a:solidFill>
                   <a:schemeClr val="tx1"/>
                 </a:solidFill>
-                <a:latin typeface="Adobe 고딕 Std B" panose="020B0800000000000000" pitchFamily="34" charset="-127"/>
-                <a:ea typeface="Adobe 고딕 Std B" panose="020B0800000000000000" pitchFamily="34" charset="-127"/>
               </a:rPr>
               <a:t> = 1;</a:t>
             </a:r>
           </a:p>
           <a:p>
             <a:r>
+              <a:rPr lang="en-US" altLang="ko-KR" dirty="0">
+                <a:solidFill>
+                  <a:schemeClr val="tx1"/>
+                </a:solidFill>
+              </a:rPr>
+              <a:t>p-&gt;</a:t>
+            </a:r>
+            <a:r>
               <a:rPr lang="en-US" altLang="ko-KR" dirty="0" err="1">
                 <a:solidFill>
                   <a:schemeClr val="tx1"/>
                 </a:solidFill>
-                <a:latin typeface="Adobe 고딕 Std B" panose="020B0800000000000000" pitchFamily="34" charset="-127"/>
-                <a:ea typeface="Adobe 고딕 Std B" panose="020B0800000000000000" pitchFamily="34" charset="-127"/>
+              </a:rPr>
+              <a:t>newpro</a:t>
+            </a:r>
+            <a:r>
+              <a:rPr lang="en-US" altLang="ko-KR" dirty="0">
+                <a:solidFill>
+                  <a:schemeClr val="tx1"/>
+                </a:solidFill>
+              </a:rPr>
+              <a:t> = </a:t>
+            </a:r>
+            <a:r>
+              <a:rPr lang="en-US" altLang="ko-KR" dirty="0" err="1">
+                <a:solidFill>
+                  <a:schemeClr val="tx1"/>
+                </a:solidFill>
               </a:rPr>
               <a:t>Newnode</a:t>
             </a:r>
@@ -8701,168 +8823,23 @@
                 <a:solidFill>
                   <a:schemeClr val="tx1"/>
                 </a:solidFill>
-                <a:latin typeface="Adobe 고딕 Std B" panose="020B0800000000000000" pitchFamily="34" charset="-127"/>
-                <a:ea typeface="Adobe 고딕 Std B" panose="020B0800000000000000" pitchFamily="34" charset="-127"/>
-              </a:rPr>
-              <a:t>-&gt;</a:t>
-            </a:r>
-            <a:r>
-              <a:rPr lang="en-US" altLang="ko-KR" dirty="0" err="1">
-                <a:solidFill>
-                  <a:schemeClr val="tx1"/>
-                </a:solidFill>
-                <a:latin typeface="Adobe 고딕 Std B" panose="020B0800000000000000" pitchFamily="34" charset="-127"/>
-                <a:ea typeface="Adobe 고딕 Std B" panose="020B0800000000000000" pitchFamily="34" charset="-127"/>
-              </a:rPr>
-              <a:t>newpro</a:t>
-            </a:r>
+              </a:rPr>
+              <a:t>;</a:t>
+            </a:r>
+          </a:p>
+          <a:p>
+            <a:endParaRPr lang="ko-KR" altLang="en-US" dirty="0">
+              <a:solidFill>
+                <a:schemeClr val="tx1"/>
+              </a:solidFill>
+            </a:endParaRPr>
+          </a:p>
+          <a:p>
             <a:r>
               <a:rPr lang="en-US" altLang="ko-KR" dirty="0">
                 <a:solidFill>
                   <a:schemeClr val="tx1"/>
                 </a:solidFill>
-                <a:latin typeface="Adobe 고딕 Std B" panose="020B0800000000000000" pitchFamily="34" charset="-127"/>
-                <a:ea typeface="Adobe 고딕 Std B" panose="020B0800000000000000" pitchFamily="34" charset="-127"/>
-              </a:rPr>
-              <a:t> = tail;</a:t>
-            </a:r>
-          </a:p>
-          <a:p>
-            <a:r>
-              <a:rPr lang="en-US" altLang="ko-KR" dirty="0">
-                <a:solidFill>
-                  <a:schemeClr val="tx1"/>
-                </a:solidFill>
-                <a:latin typeface="Adobe 고딕 Std B" panose="020B0800000000000000" pitchFamily="34" charset="-127"/>
-                <a:ea typeface="Adobe 고딕 Std B" panose="020B0800000000000000" pitchFamily="34" charset="-127"/>
-              </a:rPr>
-              <a:t>p-&gt;</a:t>
-            </a:r>
-            <a:r>
-              <a:rPr lang="en-US" altLang="ko-KR" dirty="0" err="1">
-                <a:solidFill>
-                  <a:schemeClr val="tx1"/>
-                </a:solidFill>
-                <a:latin typeface="Adobe 고딕 Std B" panose="020B0800000000000000" pitchFamily="34" charset="-127"/>
-                <a:ea typeface="Adobe 고딕 Std B" panose="020B0800000000000000" pitchFamily="34" charset="-127"/>
-              </a:rPr>
-              <a:t>newpro</a:t>
-            </a:r>
-            <a:r>
-              <a:rPr lang="en-US" altLang="ko-KR" dirty="0">
-                <a:solidFill>
-                  <a:schemeClr val="tx1"/>
-                </a:solidFill>
-                <a:latin typeface="Adobe 고딕 Std B" panose="020B0800000000000000" pitchFamily="34" charset="-127"/>
-                <a:ea typeface="Adobe 고딕 Std B" panose="020B0800000000000000" pitchFamily="34" charset="-127"/>
-              </a:rPr>
-              <a:t> = </a:t>
-            </a:r>
-            <a:r>
-              <a:rPr lang="en-US" altLang="ko-KR" dirty="0" err="1">
-                <a:solidFill>
-                  <a:schemeClr val="tx1"/>
-                </a:solidFill>
-                <a:latin typeface="Adobe 고딕 Std B" panose="020B0800000000000000" pitchFamily="34" charset="-127"/>
-                <a:ea typeface="Adobe 고딕 Std B" panose="020B0800000000000000" pitchFamily="34" charset="-127"/>
-              </a:rPr>
-              <a:t>Newnode</a:t>
-            </a:r>
-            <a:r>
-              <a:rPr lang="en-US" altLang="ko-KR" dirty="0">
-                <a:solidFill>
-                  <a:schemeClr val="tx1"/>
-                </a:solidFill>
-                <a:latin typeface="Adobe 고딕 Std B" panose="020B0800000000000000" pitchFamily="34" charset="-127"/>
-                <a:ea typeface="Adobe 고딕 Std B" panose="020B0800000000000000" pitchFamily="34" charset="-127"/>
-              </a:rPr>
-              <a:t>;</a:t>
-            </a:r>
-          </a:p>
-          <a:p>
-            <a:r>
-              <a:rPr lang="en-US" altLang="ko-KR" dirty="0" err="1">
-                <a:solidFill>
-                  <a:schemeClr val="tx1"/>
-                </a:solidFill>
-                <a:latin typeface="Adobe 고딕 Std B" panose="020B0800000000000000" pitchFamily="34" charset="-127"/>
-                <a:ea typeface="Adobe 고딕 Std B" panose="020B0800000000000000" pitchFamily="34" charset="-127"/>
-              </a:rPr>
-              <a:t>insertprint</a:t>
-            </a:r>
-            <a:r>
-              <a:rPr lang="en-US" altLang="ko-KR" dirty="0">
-                <a:solidFill>
-                  <a:schemeClr val="tx1"/>
-                </a:solidFill>
-                <a:latin typeface="Adobe 고딕 Std B" panose="020B0800000000000000" pitchFamily="34" charset="-127"/>
-                <a:ea typeface="Adobe 고딕 Std B" panose="020B0800000000000000" pitchFamily="34" charset="-127"/>
-              </a:rPr>
-              <a:t>();</a:t>
-            </a:r>
-          </a:p>
-          <a:p>
-            <a:r>
-              <a:rPr lang="en-US" altLang="ko-KR" dirty="0" err="1">
-                <a:solidFill>
-                  <a:schemeClr val="tx1"/>
-                </a:solidFill>
-                <a:latin typeface="Adobe 고딕 Std B" panose="020B0800000000000000" pitchFamily="34" charset="-127"/>
-                <a:ea typeface="Adobe 고딕 Std B" panose="020B0800000000000000" pitchFamily="34" charset="-127"/>
-              </a:rPr>
-              <a:t>fflush</a:t>
-            </a:r>
-            <a:r>
-              <a:rPr lang="en-US" altLang="ko-KR" dirty="0">
-                <a:solidFill>
-                  <a:schemeClr val="tx1"/>
-                </a:solidFill>
-                <a:latin typeface="Adobe 고딕 Std B" panose="020B0800000000000000" pitchFamily="34" charset="-127"/>
-                <a:ea typeface="Adobe 고딕 Std B" panose="020B0800000000000000" pitchFamily="34" charset="-127"/>
-              </a:rPr>
-              <a:t>(</a:t>
-            </a:r>
-            <a:r>
-              <a:rPr lang="en-US" altLang="ko-KR" dirty="0" err="1">
-                <a:solidFill>
-                  <a:schemeClr val="tx1"/>
-                </a:solidFill>
-                <a:latin typeface="Adobe 고딕 Std B" panose="020B0800000000000000" pitchFamily="34" charset="-127"/>
-                <a:ea typeface="Adobe 고딕 Std B" panose="020B0800000000000000" pitchFamily="34" charset="-127"/>
-              </a:rPr>
-              <a:t>stdin</a:t>
-            </a:r>
-            <a:r>
-              <a:rPr lang="en-US" altLang="ko-KR" dirty="0">
-                <a:solidFill>
-                  <a:schemeClr val="tx1"/>
-                </a:solidFill>
-                <a:latin typeface="Adobe 고딕 Std B" panose="020B0800000000000000" pitchFamily="34" charset="-127"/>
-                <a:ea typeface="Adobe 고딕 Std B" panose="020B0800000000000000" pitchFamily="34" charset="-127"/>
-              </a:rPr>
-              <a:t>);</a:t>
-            </a:r>
-          </a:p>
-          <a:p>
-            <a:r>
-              <a:rPr lang="en-US" altLang="ko-KR" dirty="0">
-                <a:solidFill>
-                  <a:schemeClr val="tx1"/>
-                </a:solidFill>
-                <a:latin typeface="Adobe 고딕 Std B" panose="020B0800000000000000" pitchFamily="34" charset="-127"/>
-                <a:ea typeface="Adobe 고딕 Std B" panose="020B0800000000000000" pitchFamily="34" charset="-127"/>
-              </a:rPr>
-              <a:t>}</a:t>
-            </a:r>
-          </a:p>
-          <a:p>
-            <a:r>
-              <a:rPr lang="en-US" altLang="ko-KR" dirty="0">
-                <a:solidFill>
-                  <a:schemeClr val="tx1"/>
-                </a:solidFill>
-                <a:latin typeface="Adobe 고딕 Std B" panose="020B0800000000000000" pitchFamily="34" charset="-127"/>
-                <a:ea typeface="Adobe 고딕 Std B" panose="020B0800000000000000" pitchFamily="34" charset="-127"/>
               </a:rPr>
               <a:t>}</a:t>
             </a:r>
@@ -9317,7 +9294,7 @@
         <p:spPr>
           <a:xfrm>
             <a:off x="1194676" y="1700808"/>
-            <a:ext cx="7560840" cy="3960440"/>
+            <a:ext cx="7560840" cy="4968552"/>
           </a:xfrm>
           <a:prstGeom prst="rect">
             <a:avLst/>
@@ -9355,7 +9332,17 @@
                   <a:schemeClr val="tx1"/>
                 </a:solidFill>
               </a:rPr>
-              <a:t>if (p-&gt;barcode == barcode) {</a:t>
+              <a:t>while (p != tail) {</a:t>
+            </a:r>
+          </a:p>
+          <a:p>
+            <a:r>
+              <a:rPr lang="pt-BR" altLang="ko-KR" dirty="0">
+                <a:solidFill>
+                  <a:schemeClr val="tx1"/>
+                </a:solidFill>
+              </a:rPr>
+              <a:t>if (p-&gt;barcode == barcode &amp;&amp; p-&gt;num == 1) {</a:t>
             </a:r>
           </a:p>
           <a:p>
@@ -9428,6 +9415,98 @@
                 </a:solidFill>
               </a:rPr>
               <a:t>break;</a:t>
+            </a:r>
+          </a:p>
+          <a:p>
+            <a:r>
+              <a:rPr lang="en-US" altLang="ko-KR" dirty="0">
+                <a:solidFill>
+                  <a:schemeClr val="tx1"/>
+                </a:solidFill>
+              </a:rPr>
+              <a:t>}</a:t>
+            </a:r>
+          </a:p>
+          <a:p>
+            <a:r>
+              <a:rPr lang="en-US" altLang="ko-KR" dirty="0">
+                <a:solidFill>
+                  <a:schemeClr val="tx1"/>
+                </a:solidFill>
+              </a:rPr>
+              <a:t>else if (p-&gt;barcode == barcode &amp;&amp; p-&gt;</a:t>
+            </a:r>
+            <a:r>
+              <a:rPr lang="en-US" altLang="ko-KR" dirty="0" err="1">
+                <a:solidFill>
+                  <a:schemeClr val="tx1"/>
+                </a:solidFill>
+              </a:rPr>
+              <a:t>num</a:t>
+            </a:r>
+            <a:r>
+              <a:rPr lang="en-US" altLang="ko-KR" dirty="0">
+                <a:solidFill>
+                  <a:schemeClr val="tx1"/>
+                </a:solidFill>
+              </a:rPr>
+              <a:t> &gt; 1) {</a:t>
+            </a:r>
+          </a:p>
+          <a:p>
+            <a:r>
+              <a:rPr lang="en-US" altLang="ko-KR" dirty="0">
+                <a:solidFill>
+                  <a:schemeClr val="tx1"/>
+                </a:solidFill>
+              </a:rPr>
+              <a:t>p-&gt;</a:t>
+            </a:r>
+            <a:r>
+              <a:rPr lang="en-US" altLang="ko-KR" dirty="0" err="1">
+                <a:solidFill>
+                  <a:schemeClr val="tx1"/>
+                </a:solidFill>
+              </a:rPr>
+              <a:t>num</a:t>
+            </a:r>
+            <a:r>
+              <a:rPr lang="en-US" altLang="ko-KR" dirty="0">
+                <a:solidFill>
+                  <a:schemeClr val="tx1"/>
+                </a:solidFill>
+              </a:rPr>
+              <a:t>--;</a:t>
+            </a:r>
+          </a:p>
+          <a:p>
+            <a:r>
+              <a:rPr lang="en-US" altLang="ko-KR" dirty="0">
+                <a:solidFill>
+                  <a:schemeClr val="tx1"/>
+                </a:solidFill>
+              </a:rPr>
+              <a:t>break;</a:t>
+            </a:r>
+          </a:p>
+          <a:p>
+            <a:r>
+              <a:rPr lang="en-US" altLang="ko-KR" dirty="0">
+                <a:solidFill>
+                  <a:schemeClr val="tx1"/>
+                </a:solidFill>
+              </a:rPr>
+              <a:t>}</a:t>
+            </a:r>
+          </a:p>
+          <a:p>
+            <a:r>
+              <a:rPr lang="en-US" altLang="ko-KR" dirty="0">
+                <a:solidFill>
+                  <a:schemeClr val="tx1"/>
+                </a:solidFill>
+              </a:rPr>
+              <a:t>}</a:t>
             </a:r>
             <a:endParaRPr lang="ko-KR" altLang="en-US" dirty="0">
               <a:solidFill>
